--- a/siryo/1201201003.pptx
+++ b/siryo/1201201003.pptx
@@ -14161,13 +14161,18 @@
           </a:p>
           <a:p>
             <a:r>
-              <a:rPr kumimoji="1" lang="ja-JP" altLang="en-US" sz="3200" dirty="0">
+              <a:rPr kumimoji="1" lang="ja-JP" altLang="en-US" sz="3200">
                 <a:solidFill>
                   <a:srgbClr val="595959"/>
                 </a:solidFill>
               </a:rPr>
-              <a:t>→ 適切な表現を得られてない</a:t>
-            </a:r>
+              <a:t>→ 表現を学習しきれていない</a:t>
+            </a:r>
+            <a:endParaRPr kumimoji="1" lang="ja-JP" altLang="en-US" sz="3200" dirty="0">
+              <a:solidFill>
+                <a:srgbClr val="595959"/>
+              </a:solidFill>
+            </a:endParaRPr>
           </a:p>
         </p:txBody>
       </p:sp>
